--- a/GEO346_2023_FallQuarter/Exercise_01/exercise01-template.pptx
+++ b/GEO346_2023_FallQuarter/Exercise_01/exercise01-template.pptx
@@ -14,12 +14,6 @@
     <p:sldId id="262" r:id="rId11"/>
     <p:sldId id="263" r:id="rId12"/>
     <p:sldId id="264" r:id="rId13"/>
-    <p:sldId id="265" r:id="rId14"/>
-    <p:sldId id="266" r:id="rId15"/>
-    <p:sldId id="267" r:id="rId16"/>
-    <p:sldId id="268" r:id="rId17"/>
-    <p:sldId id="269" r:id="rId18"/>
-    <p:sldId id="270" r:id="rId19"/>
   </p:sldIdLst>
   <p:sldSz cx="12192000" cy="6858000"/>
   <p:notesSz cx="6858000" cy="9144000"/>
@@ -306,7 +300,7 @@
           <a:p>
             <a:fld id="{2F3E8B1C-86EF-43CF-8304-249481088644}" type="datetimeFigureOut">
               <a:rPr lang="en-US" smtClean="0"/>
-              <a:t>9/19/2022</a:t>
+              <a:t>9/14/2023</a:t>
             </a:fld>
             <a:endParaRPr lang="en-US"/>
           </a:p>
@@ -504,7 +498,7 @@
           <a:p>
             <a:fld id="{2F3E8B1C-86EF-43CF-8304-249481088644}" type="datetimeFigureOut">
               <a:rPr lang="en-US" smtClean="0"/>
-              <a:t>9/19/2022</a:t>
+              <a:t>9/14/2023</a:t>
             </a:fld>
             <a:endParaRPr lang="en-US"/>
           </a:p>
@@ -712,7 +706,7 @@
           <a:p>
             <a:fld id="{2F3E8B1C-86EF-43CF-8304-249481088644}" type="datetimeFigureOut">
               <a:rPr lang="en-US" smtClean="0"/>
-              <a:t>9/19/2022</a:t>
+              <a:t>9/14/2023</a:t>
             </a:fld>
             <a:endParaRPr lang="en-US"/>
           </a:p>
@@ -910,7 +904,7 @@
           <a:p>
             <a:fld id="{2F3E8B1C-86EF-43CF-8304-249481088644}" type="datetimeFigureOut">
               <a:rPr lang="en-US" smtClean="0"/>
-              <a:t>9/19/2022</a:t>
+              <a:t>9/14/2023</a:t>
             </a:fld>
             <a:endParaRPr lang="en-US"/>
           </a:p>
@@ -1185,7 +1179,7 @@
           <a:p>
             <a:fld id="{2F3E8B1C-86EF-43CF-8304-249481088644}" type="datetimeFigureOut">
               <a:rPr lang="en-US" smtClean="0"/>
-              <a:t>9/19/2022</a:t>
+              <a:t>9/14/2023</a:t>
             </a:fld>
             <a:endParaRPr lang="en-US"/>
           </a:p>
@@ -1455,7 +1449,7 @@
           <a:p>
             <a:fld id="{2F3E8B1C-86EF-43CF-8304-249481088644}" type="datetimeFigureOut">
               <a:rPr lang="en-US" smtClean="0"/>
-              <a:t>9/19/2022</a:t>
+              <a:t>9/14/2023</a:t>
             </a:fld>
             <a:endParaRPr lang="en-US"/>
           </a:p>
@@ -1875,7 +1869,7 @@
           <a:p>
             <a:fld id="{2F3E8B1C-86EF-43CF-8304-249481088644}" type="datetimeFigureOut">
               <a:rPr lang="en-US" smtClean="0"/>
-              <a:t>9/19/2022</a:t>
+              <a:t>9/14/2023</a:t>
             </a:fld>
             <a:endParaRPr lang="en-US"/>
           </a:p>
@@ -2016,7 +2010,7 @@
           <a:p>
             <a:fld id="{2F3E8B1C-86EF-43CF-8304-249481088644}" type="datetimeFigureOut">
               <a:rPr lang="en-US" smtClean="0"/>
-              <a:t>9/19/2022</a:t>
+              <a:t>9/14/2023</a:t>
             </a:fld>
             <a:endParaRPr lang="en-US"/>
           </a:p>
@@ -2129,7 +2123,7 @@
           <a:p>
             <a:fld id="{2F3E8B1C-86EF-43CF-8304-249481088644}" type="datetimeFigureOut">
               <a:rPr lang="en-US" smtClean="0"/>
-              <a:t>9/19/2022</a:t>
+              <a:t>9/14/2023</a:t>
             </a:fld>
             <a:endParaRPr lang="en-US"/>
           </a:p>
@@ -2440,7 +2434,7 @@
           <a:p>
             <a:fld id="{2F3E8B1C-86EF-43CF-8304-249481088644}" type="datetimeFigureOut">
               <a:rPr lang="en-US" smtClean="0"/>
-              <a:t>9/19/2022</a:t>
+              <a:t>9/14/2023</a:t>
             </a:fld>
             <a:endParaRPr lang="en-US"/>
           </a:p>
@@ -2728,7 +2722,7 @@
           <a:p>
             <a:fld id="{2F3E8B1C-86EF-43CF-8304-249481088644}" type="datetimeFigureOut">
               <a:rPr lang="en-US" smtClean="0"/>
-              <a:t>9/19/2022</a:t>
+              <a:t>9/14/2023</a:t>
             </a:fld>
             <a:endParaRPr lang="en-US"/>
           </a:p>
@@ -2969,7 +2963,7 @@
             <a:fld id="{2F3E8B1C-86EF-43CF-8304-249481088644}" type="datetimeFigureOut">
               <a:rPr lang="en-US" smtClean="0"/>
               <a:pPr/>
-              <a:t>9/19/2022</a:t>
+              <a:t>9/14/2023</a:t>
             </a:fld>
             <a:endParaRPr lang="en-US" dirty="0"/>
           </a:p>
@@ -4897,8 +4891,8 @@
         </p:nvSpPr>
         <p:spPr>
           <a:xfrm>
-            <a:off x="6107345" y="1519511"/>
-            <a:ext cx="1311833" cy="1938992"/>
+            <a:off x="6107345" y="2052911"/>
+            <a:ext cx="1311833" cy="1384995"/>
           </a:xfrm>
           <a:prstGeom prst="rect">
             <a:avLst/>
@@ -4924,106 +4918,19 @@
                 <a:ea typeface="Tahoma" panose="020B0604030504040204" pitchFamily="34" charset="0"/>
                 <a:cs typeface="Tahoma" panose="020B0604030504040204" pitchFamily="34" charset="0"/>
               </a:rPr>
-              <a:t>ggplot2, </a:t>
-            </a:r>
-            <a:r>
-              <a:rPr lang="en-US" sz="1200" i="1" dirty="0" err="1">
-                <a:solidFill>
-                  <a:schemeClr val="tx1">
-                    <a:lumMod val="50000"/>
-                    <a:lumOff val="50000"/>
-                  </a:schemeClr>
-                </a:solidFill>
-                <a:latin typeface="Tahoma" panose="020B0604030504040204" pitchFamily="34" charset="0"/>
-                <a:ea typeface="Tahoma" panose="020B0604030504040204" pitchFamily="34" charset="0"/>
-                <a:cs typeface="Tahoma" panose="020B0604030504040204" pitchFamily="34" charset="0"/>
-              </a:rPr>
-              <a:t>biscale</a:t>
-            </a:r>
-            <a:r>
-              <a:rPr lang="en-US" sz="1200" i="1" dirty="0">
-                <a:solidFill>
-                  <a:schemeClr val="tx1">
-                    <a:lumMod val="50000"/>
-                    <a:lumOff val="50000"/>
-                  </a:schemeClr>
-                </a:solidFill>
-                <a:latin typeface="Tahoma" panose="020B0604030504040204" pitchFamily="34" charset="0"/>
-                <a:ea typeface="Tahoma" panose="020B0604030504040204" pitchFamily="34" charset="0"/>
-                <a:cs typeface="Tahoma" panose="020B0604030504040204" pitchFamily="34" charset="0"/>
-              </a:rPr>
-              <a:t> </a:t>
-            </a:r>
-            <a:r>
-              <a:rPr lang="en-US" sz="1200" dirty="0">
-                <a:solidFill>
-                  <a:schemeClr val="tx1">
-                    <a:lumMod val="50000"/>
-                    <a:lumOff val="50000"/>
-                  </a:schemeClr>
-                </a:solidFill>
-                <a:latin typeface="Tahoma" panose="020B0604030504040204" pitchFamily="34" charset="0"/>
-                <a:ea typeface="Tahoma" panose="020B0604030504040204" pitchFamily="34" charset="0"/>
-                <a:cs typeface="Tahoma" panose="020B0604030504040204" pitchFamily="34" charset="0"/>
-              </a:rPr>
-              <a:t>and other </a:t>
-            </a:r>
-            <a:r>
-              <a:rPr lang="en-US" sz="1200" dirty="0" err="1">
-                <a:solidFill>
-                  <a:schemeClr val="tx1">
-                    <a:lumMod val="50000"/>
-                    <a:lumOff val="50000"/>
-                  </a:schemeClr>
-                </a:solidFill>
-                <a:latin typeface="Tahoma" panose="020B0604030504040204" pitchFamily="34" charset="0"/>
-                <a:ea typeface="Tahoma" panose="020B0604030504040204" pitchFamily="34" charset="0"/>
-                <a:cs typeface="Tahoma" panose="020B0604030504040204" pitchFamily="34" charset="0"/>
-              </a:rPr>
-              <a:t>Rstudio</a:t>
-            </a:r>
-            <a:r>
-              <a:rPr lang="en-US" sz="1200" dirty="0">
-                <a:solidFill>
-                  <a:schemeClr val="tx1">
-                    <a:lumMod val="50000"/>
-                    <a:lumOff val="50000"/>
-                  </a:schemeClr>
-                </a:solidFill>
-                <a:latin typeface="Tahoma" panose="020B0604030504040204" pitchFamily="34" charset="0"/>
-                <a:ea typeface="Tahoma" panose="020B0604030504040204" pitchFamily="34" charset="0"/>
-                <a:cs typeface="Tahoma" panose="020B0604030504040204" pitchFamily="34" charset="0"/>
-              </a:rPr>
-              <a:t> </a:t>
-            </a:r>
-            <a:r>
-              <a:rPr lang="en-US" sz="1200" dirty="0" err="1">
-                <a:solidFill>
-                  <a:schemeClr val="tx1">
-                    <a:lumMod val="50000"/>
-                    <a:lumOff val="50000"/>
-                  </a:schemeClr>
-                </a:solidFill>
-                <a:latin typeface="Tahoma" panose="020B0604030504040204" pitchFamily="34" charset="0"/>
-                <a:ea typeface="Tahoma" panose="020B0604030504040204" pitchFamily="34" charset="0"/>
-                <a:cs typeface="Tahoma" panose="020B0604030504040204" pitchFamily="34" charset="0"/>
-              </a:rPr>
-              <a:t>cartographc</a:t>
-            </a:r>
-            <a:r>
-              <a:rPr lang="en-US" sz="1200" dirty="0">
-                <a:solidFill>
-                  <a:schemeClr val="tx1">
-                    <a:lumMod val="50000"/>
-                    <a:lumOff val="50000"/>
-                  </a:schemeClr>
-                </a:solidFill>
-                <a:latin typeface="Tahoma" panose="020B0604030504040204" pitchFamily="34" charset="0"/>
-                <a:ea typeface="Tahoma" panose="020B0604030504040204" pitchFamily="34" charset="0"/>
-                <a:cs typeface="Tahoma" panose="020B0604030504040204" pitchFamily="34" charset="0"/>
-              </a:rPr>
-              <a:t> packages were used to create component and bivariate maps of the following indicators</a:t>
-            </a:r>
+              <a:t>ArcGIS Pro graduate color and bivariate mapping utilities used to create custom visualizations.</a:t>
+            </a:r>
+            <a:endParaRPr lang="en-US" sz="1200" dirty="0">
+              <a:solidFill>
+                <a:schemeClr val="tx1">
+                  <a:lumMod val="50000"/>
+                  <a:lumOff val="50000"/>
+                </a:schemeClr>
+              </a:solidFill>
+              <a:latin typeface="Tahoma" panose="020B0604030504040204" pitchFamily="34" charset="0"/>
+              <a:ea typeface="Tahoma" panose="020B0604030504040204" pitchFamily="34" charset="0"/>
+              <a:cs typeface="Tahoma" panose="020B0604030504040204" pitchFamily="34" charset="0"/>
+            </a:endParaRPr>
           </a:p>
         </p:txBody>
       </p:sp>
@@ -5163,1438 +5070,6 @@
     <p:extLst>
       <p:ext uri="{BB962C8B-B14F-4D97-AF65-F5344CB8AC3E}">
         <p14:creationId xmlns:p14="http://schemas.microsoft.com/office/powerpoint/2010/main" val="1196303273"/>
-      </p:ext>
-    </p:extLst>
-  </p:cSld>
-  <p:clrMapOvr>
-    <a:masterClrMapping/>
-  </p:clrMapOvr>
-</p:sld>
-</file>
-
-<file path=ppt/slides/slide10.xml><?xml version="1.0" encoding="utf-8"?>
-<p:sld xmlns:a="http://schemas.openxmlformats.org/drawingml/2006/main" xmlns:r="http://schemas.openxmlformats.org/officeDocument/2006/relationships" xmlns:p="http://schemas.openxmlformats.org/presentationml/2006/main">
-  <p:cSld>
-    <p:spTree>
-      <p:nvGrpSpPr>
-        <p:cNvPr id="1" name=""/>
-        <p:cNvGrpSpPr/>
-        <p:nvPr/>
-      </p:nvGrpSpPr>
-      <p:grpSpPr>
-        <a:xfrm>
-          <a:off x="0" y="0"/>
-          <a:ext cx="0" cy="0"/>
-          <a:chOff x="0" y="0"/>
-          <a:chExt cx="0" cy="0"/>
-        </a:xfrm>
-      </p:grpSpPr>
-      <p:sp>
-        <p:nvSpPr>
-          <p:cNvPr id="6" name="Title 5">
-            <a:extLst>
-              <a:ext uri="{FF2B5EF4-FFF2-40B4-BE49-F238E27FC236}">
-                <a16:creationId xmlns:a16="http://schemas.microsoft.com/office/drawing/2014/main" id="{77977495-7045-4BEB-B038-AC19B9064EC1}"/>
-              </a:ext>
-            </a:extLst>
-          </p:cNvPr>
-          <p:cNvSpPr>
-            <a:spLocks noGrp="1"/>
-          </p:cNvSpPr>
-          <p:nvPr>
-            <p:ph type="title"/>
-          </p:nvPr>
-        </p:nvSpPr>
-        <p:spPr>
-          <a:xfrm>
-            <a:off x="669852" y="870596"/>
-            <a:ext cx="5029210" cy="577205"/>
-          </a:xfrm>
-        </p:spPr>
-        <p:txBody>
-          <a:bodyPr vert="horz" lIns="91440" tIns="45720" rIns="91440" bIns="45720" rtlCol="0" anchor="t">
-            <a:normAutofit fontScale="90000"/>
-          </a:bodyPr>
-          <a:lstStyle/>
-          <a:p>
-            <a:pPr>
-              <a:lnSpc>
-                <a:spcPct val="90000"/>
-              </a:lnSpc>
-            </a:pPr>
-            <a:r>
-              <a:rPr lang="en-US" sz="3400" dirty="0" err="1"/>
-              <a:t>Cdc</a:t>
-            </a:r>
-            <a:r>
-              <a:rPr lang="en-US" sz="3400" dirty="0"/>
-              <a:t> places measure title</a:t>
-            </a:r>
-            <a:br>
-              <a:rPr lang="en-US" sz="3400" dirty="0"/>
-            </a:br>
-            <a:r>
-              <a:rPr lang="en-US" sz="3400" dirty="0">
-                <a:solidFill>
-                  <a:schemeClr val="bg1">
-                    <a:lumMod val="50000"/>
-                  </a:schemeClr>
-                </a:solidFill>
-              </a:rPr>
-              <a:t>units</a:t>
-            </a:r>
-            <a:endParaRPr lang="en-US" sz="1800" dirty="0">
-              <a:latin typeface="Abadi Extra Light" panose="020B0604020202020204" pitchFamily="34" charset="0"/>
-            </a:endParaRPr>
-          </a:p>
-        </p:txBody>
-      </p:sp>
-      <p:pic>
-        <p:nvPicPr>
-          <p:cNvPr id="9" name="Picture 8" descr="Diagram&#10;&#10;Description automatically generated">
-            <a:extLst>
-              <a:ext uri="{FF2B5EF4-FFF2-40B4-BE49-F238E27FC236}">
-                <a16:creationId xmlns:a16="http://schemas.microsoft.com/office/drawing/2014/main" id="{1519A766-3B04-ADD5-768D-E7F1CE9DA020}"/>
-              </a:ext>
-            </a:extLst>
-          </p:cNvPr>
-          <p:cNvPicPr>
-            <a:picLocks noChangeAspect="1"/>
-          </p:cNvPicPr>
-          <p:nvPr/>
-        </p:nvPicPr>
-        <p:blipFill>
-          <a:blip r:embed="rId2">
-            <a:extLst>
-              <a:ext uri="{28A0092B-C50C-407E-A947-70E740481C1C}">
-                <a14:useLocalDpi xmlns:a14="http://schemas.microsoft.com/office/drawing/2010/main" val="0"/>
-              </a:ext>
-            </a:extLst>
-          </a:blip>
-          <a:stretch>
-            <a:fillRect/>
-          </a:stretch>
-        </p:blipFill>
-        <p:spPr>
-          <a:xfrm>
-            <a:off x="6634768" y="914395"/>
-            <a:ext cx="5029210" cy="5029210"/>
-          </a:xfrm>
-          <a:prstGeom prst="rect">
-            <a:avLst/>
-          </a:prstGeom>
-        </p:spPr>
-      </p:pic>
-      <p:sp>
-        <p:nvSpPr>
-          <p:cNvPr id="11" name="TextBox 10">
-            <a:extLst>
-              <a:ext uri="{FF2B5EF4-FFF2-40B4-BE49-F238E27FC236}">
-                <a16:creationId xmlns:a16="http://schemas.microsoft.com/office/drawing/2014/main" id="{3E48FC44-1FA2-4F7A-0A80-59B4E81301D5}"/>
-              </a:ext>
-            </a:extLst>
-          </p:cNvPr>
-          <p:cNvSpPr txBox="1"/>
-          <p:nvPr/>
-        </p:nvSpPr>
-        <p:spPr>
-          <a:xfrm>
-            <a:off x="669852" y="2663113"/>
-            <a:ext cx="5507428" cy="584775"/>
-          </a:xfrm>
-          <a:prstGeom prst="rect">
-            <a:avLst/>
-          </a:prstGeom>
-          <a:noFill/>
-        </p:spPr>
-        <p:txBody>
-          <a:bodyPr wrap="square">
-            <a:spAutoFit/>
-          </a:bodyPr>
-          <a:lstStyle/>
-          <a:p>
-            <a:r>
-              <a:rPr lang="en-US" sz="1600" i="1" cap="none" dirty="0">
-                <a:latin typeface="Abadi Extra Light" panose="020B0604020202020204" pitchFamily="34" charset="0"/>
-              </a:rPr>
-              <a:t>Description of the component PLACES measure and brief analysis of distributions shown on map.</a:t>
-            </a:r>
-            <a:endParaRPr lang="en-US" sz="1600" cap="none" dirty="0">
-              <a:latin typeface="Abadi Extra Light" panose="020B0604020202020204" pitchFamily="34" charset="0"/>
-            </a:endParaRPr>
-          </a:p>
-        </p:txBody>
-      </p:sp>
-      <p:sp>
-        <p:nvSpPr>
-          <p:cNvPr id="12" name="TextBox 11">
-            <a:extLst>
-              <a:ext uri="{FF2B5EF4-FFF2-40B4-BE49-F238E27FC236}">
-                <a16:creationId xmlns:a16="http://schemas.microsoft.com/office/drawing/2014/main" id="{87D582C6-CEC0-AFAA-58EF-768E3AC494E0}"/>
-              </a:ext>
-            </a:extLst>
-          </p:cNvPr>
-          <p:cNvSpPr txBox="1"/>
-          <p:nvPr/>
-        </p:nvSpPr>
-        <p:spPr>
-          <a:xfrm>
-            <a:off x="700332" y="5580302"/>
-            <a:ext cx="5507428" cy="307777"/>
-          </a:xfrm>
-          <a:prstGeom prst="rect">
-            <a:avLst/>
-          </a:prstGeom>
-          <a:noFill/>
-        </p:spPr>
-        <p:txBody>
-          <a:bodyPr wrap="square">
-            <a:spAutoFit/>
-          </a:bodyPr>
-          <a:lstStyle/>
-          <a:p>
-            <a:r>
-              <a:rPr lang="en-US" sz="1400" i="1" dirty="0">
-                <a:latin typeface="Abadi Extra Light" panose="020B0604020202020204" pitchFamily="34" charset="0"/>
-              </a:rPr>
-              <a:t>Data sources: CDC PLACES.</a:t>
-            </a:r>
-            <a:endParaRPr lang="en-US" sz="1400" i="1" cap="none" dirty="0">
-              <a:latin typeface="Abadi Extra Light" panose="020B0604020202020204" pitchFamily="34" charset="0"/>
-            </a:endParaRPr>
-          </a:p>
-        </p:txBody>
-      </p:sp>
-    </p:spTree>
-    <p:extLst>
-      <p:ext uri="{BB962C8B-B14F-4D97-AF65-F5344CB8AC3E}">
-        <p14:creationId xmlns:p14="http://schemas.microsoft.com/office/powerpoint/2010/main" val="3609911990"/>
-      </p:ext>
-    </p:extLst>
-  </p:cSld>
-  <p:clrMapOvr>
-    <a:masterClrMapping/>
-  </p:clrMapOvr>
-</p:sld>
-</file>
-
-<file path=ppt/slides/slide11.xml><?xml version="1.0" encoding="utf-8"?>
-<p:sld xmlns:a="http://schemas.openxmlformats.org/drawingml/2006/main" xmlns:r="http://schemas.openxmlformats.org/officeDocument/2006/relationships" xmlns:p="http://schemas.openxmlformats.org/presentationml/2006/main">
-  <p:cSld>
-    <p:spTree>
-      <p:nvGrpSpPr>
-        <p:cNvPr id="1" name=""/>
-        <p:cNvGrpSpPr/>
-        <p:nvPr/>
-      </p:nvGrpSpPr>
-      <p:grpSpPr>
-        <a:xfrm>
-          <a:off x="0" y="0"/>
-          <a:ext cx="0" cy="0"/>
-          <a:chOff x="0" y="0"/>
-          <a:chExt cx="0" cy="0"/>
-        </a:xfrm>
-      </p:grpSpPr>
-      <p:pic>
-        <p:nvPicPr>
-          <p:cNvPr id="10" name="Picture 9" descr="Diagram&#10;&#10;Description automatically generated">
-            <a:extLst>
-              <a:ext uri="{FF2B5EF4-FFF2-40B4-BE49-F238E27FC236}">
-                <a16:creationId xmlns:a16="http://schemas.microsoft.com/office/drawing/2014/main" id="{D93E8B9A-E376-44A5-BB8A-32E8B5D3F3ED}"/>
-              </a:ext>
-            </a:extLst>
-          </p:cNvPr>
-          <p:cNvPicPr>
-            <a:picLocks noChangeAspect="1"/>
-          </p:cNvPicPr>
-          <p:nvPr/>
-        </p:nvPicPr>
-        <p:blipFill>
-          <a:blip r:embed="rId2">
-            <a:extLst>
-              <a:ext uri="{28A0092B-C50C-407E-A947-70E740481C1C}">
-                <a14:useLocalDpi xmlns:a14="http://schemas.microsoft.com/office/drawing/2010/main" val="0"/>
-              </a:ext>
-            </a:extLst>
-          </a:blip>
-          <a:stretch>
-            <a:fillRect/>
-          </a:stretch>
-        </p:blipFill>
-        <p:spPr>
-          <a:xfrm>
-            <a:off x="6695440" y="1066795"/>
-            <a:ext cx="5029210" cy="5029210"/>
-          </a:xfrm>
-          <a:prstGeom prst="rect">
-            <a:avLst/>
-          </a:prstGeom>
-        </p:spPr>
-      </p:pic>
-      <p:sp>
-        <p:nvSpPr>
-          <p:cNvPr id="6" name="Title 5">
-            <a:extLst>
-              <a:ext uri="{FF2B5EF4-FFF2-40B4-BE49-F238E27FC236}">
-                <a16:creationId xmlns:a16="http://schemas.microsoft.com/office/drawing/2014/main" id="{77977495-7045-4BEB-B038-AC19B9064EC1}"/>
-              </a:ext>
-            </a:extLst>
-          </p:cNvPr>
-          <p:cNvSpPr>
-            <a:spLocks noGrp="1"/>
-          </p:cNvSpPr>
-          <p:nvPr>
-            <p:ph type="title"/>
-          </p:nvPr>
-        </p:nvSpPr>
-        <p:spPr>
-          <a:xfrm>
-            <a:off x="669852" y="870596"/>
-            <a:ext cx="5537908" cy="577205"/>
-          </a:xfrm>
-        </p:spPr>
-        <p:txBody>
-          <a:bodyPr vert="horz" lIns="91440" tIns="45720" rIns="91440" bIns="45720" rtlCol="0" anchor="t">
-            <a:normAutofit fontScale="90000"/>
-          </a:bodyPr>
-          <a:lstStyle/>
-          <a:p>
-            <a:pPr>
-              <a:lnSpc>
-                <a:spcPct val="90000"/>
-              </a:lnSpc>
-            </a:pPr>
-            <a:r>
-              <a:rPr lang="en-US" sz="3400" dirty="0" err="1"/>
-              <a:t>Cdc</a:t>
-            </a:r>
-            <a:r>
-              <a:rPr lang="en-US" sz="3400" dirty="0"/>
-              <a:t> SVI factor title</a:t>
-            </a:r>
-            <a:br>
-              <a:rPr lang="en-US" sz="3400" dirty="0"/>
-            </a:br>
-            <a:r>
-              <a:rPr lang="en-US" sz="3400" dirty="0">
-                <a:solidFill>
-                  <a:schemeClr val="bg1">
-                    <a:lumMod val="50000"/>
-                  </a:schemeClr>
-                </a:solidFill>
-              </a:rPr>
-              <a:t>units</a:t>
-            </a:r>
-            <a:br>
-              <a:rPr lang="en-US" sz="3400" dirty="0"/>
-            </a:br>
-            <a:br>
-              <a:rPr lang="en-US" sz="3400" dirty="0"/>
-            </a:br>
-            <a:endParaRPr lang="en-US" sz="1800" dirty="0">
-              <a:latin typeface="Abadi Extra Light" panose="020B0604020202020204" pitchFamily="34" charset="0"/>
-            </a:endParaRPr>
-          </a:p>
-        </p:txBody>
-      </p:sp>
-      <p:sp>
-        <p:nvSpPr>
-          <p:cNvPr id="2" name="AutoShape 2">
-            <a:extLst>
-              <a:ext uri="{FF2B5EF4-FFF2-40B4-BE49-F238E27FC236}">
-                <a16:creationId xmlns:a16="http://schemas.microsoft.com/office/drawing/2014/main" id="{07A25E57-B9E3-F05D-2DB4-D7A836A40E50}"/>
-              </a:ext>
-            </a:extLst>
-          </p:cNvPr>
-          <p:cNvSpPr>
-            <a:spLocks noChangeAspect="1" noChangeArrowheads="1"/>
-          </p:cNvSpPr>
-          <p:nvPr/>
-        </p:nvSpPr>
-        <p:spPr bwMode="auto">
-          <a:xfrm>
-            <a:off x="10668010" y="3276600"/>
-            <a:ext cx="304800" cy="304800"/>
-          </a:xfrm>
-          <a:prstGeom prst="rect">
-            <a:avLst/>
-          </a:prstGeom>
-          <a:noFill/>
-          <a:extLst>
-            <a:ext uri="{909E8E84-426E-40DD-AFC4-6F175D3DCCD1}">
-              <a14:hiddenFill xmlns:a14="http://schemas.microsoft.com/office/drawing/2010/main">
-                <a:solidFill>
-                  <a:srgbClr val="FFFFFF"/>
-                </a:solidFill>
-              </a14:hiddenFill>
-            </a:ext>
-          </a:extLst>
-        </p:spPr>
-        <p:txBody>
-          <a:bodyPr vert="horz" wrap="square" lIns="91440" tIns="45720" rIns="91440" bIns="45720" numCol="1" anchor="t" anchorCtr="0" compatLnSpc="1">
-            <a:prstTxWarp prst="textNoShape">
-              <a:avLst/>
-            </a:prstTxWarp>
-          </a:bodyPr>
-          <a:lstStyle/>
-          <a:p>
-            <a:endParaRPr lang="en-US"/>
-          </a:p>
-        </p:txBody>
-      </p:sp>
-      <p:sp>
-        <p:nvSpPr>
-          <p:cNvPr id="11" name="TextBox 10">
-            <a:extLst>
-              <a:ext uri="{FF2B5EF4-FFF2-40B4-BE49-F238E27FC236}">
-                <a16:creationId xmlns:a16="http://schemas.microsoft.com/office/drawing/2014/main" id="{EC1F356B-12BC-BB75-19B6-A6C0209E47D5}"/>
-              </a:ext>
-            </a:extLst>
-          </p:cNvPr>
-          <p:cNvSpPr txBox="1"/>
-          <p:nvPr/>
-        </p:nvSpPr>
-        <p:spPr>
-          <a:xfrm>
-            <a:off x="700332" y="5580302"/>
-            <a:ext cx="5507428" cy="307777"/>
-          </a:xfrm>
-          <a:prstGeom prst="rect">
-            <a:avLst/>
-          </a:prstGeom>
-          <a:noFill/>
-        </p:spPr>
-        <p:txBody>
-          <a:bodyPr wrap="square">
-            <a:spAutoFit/>
-          </a:bodyPr>
-          <a:lstStyle/>
-          <a:p>
-            <a:r>
-              <a:rPr lang="en-US" sz="1400" i="1" dirty="0">
-                <a:latin typeface="Abadi Extra Light" panose="020B0604020202020204" pitchFamily="34" charset="0"/>
-              </a:rPr>
-              <a:t>Data sources: CDC SVI.</a:t>
-            </a:r>
-            <a:endParaRPr lang="en-US" sz="1400" i="1" cap="none" dirty="0">
-              <a:latin typeface="Abadi Extra Light" panose="020B0604020202020204" pitchFamily="34" charset="0"/>
-            </a:endParaRPr>
-          </a:p>
-        </p:txBody>
-      </p:sp>
-      <p:sp>
-        <p:nvSpPr>
-          <p:cNvPr id="12" name="TextBox 11">
-            <a:extLst>
-              <a:ext uri="{FF2B5EF4-FFF2-40B4-BE49-F238E27FC236}">
-                <a16:creationId xmlns:a16="http://schemas.microsoft.com/office/drawing/2014/main" id="{D26A7A0C-C130-B3C2-D6B6-E4A036D9ACFB}"/>
-              </a:ext>
-            </a:extLst>
-          </p:cNvPr>
-          <p:cNvSpPr txBox="1"/>
-          <p:nvPr/>
-        </p:nvSpPr>
-        <p:spPr>
-          <a:xfrm>
-            <a:off x="669852" y="2663113"/>
-            <a:ext cx="5507428" cy="584775"/>
-          </a:xfrm>
-          <a:prstGeom prst="rect">
-            <a:avLst/>
-          </a:prstGeom>
-          <a:noFill/>
-        </p:spPr>
-        <p:txBody>
-          <a:bodyPr wrap="square">
-            <a:spAutoFit/>
-          </a:bodyPr>
-          <a:lstStyle/>
-          <a:p>
-            <a:r>
-              <a:rPr lang="en-US" sz="1600" i="1" cap="none" dirty="0">
-                <a:latin typeface="Abadi Extra Light" panose="020B0604020202020204" pitchFamily="34" charset="0"/>
-              </a:rPr>
-              <a:t>Description of the component SVI factor and brief analysis of distributions shown on map.</a:t>
-            </a:r>
-            <a:endParaRPr lang="en-US" sz="1600" cap="none" dirty="0">
-              <a:latin typeface="Abadi Extra Light" panose="020B0604020202020204" pitchFamily="34" charset="0"/>
-            </a:endParaRPr>
-          </a:p>
-        </p:txBody>
-      </p:sp>
-    </p:spTree>
-    <p:extLst>
-      <p:ext uri="{BB962C8B-B14F-4D97-AF65-F5344CB8AC3E}">
-        <p14:creationId xmlns:p14="http://schemas.microsoft.com/office/powerpoint/2010/main" val="3229822902"/>
-      </p:ext>
-    </p:extLst>
-  </p:cSld>
-  <p:clrMapOvr>
-    <a:masterClrMapping/>
-  </p:clrMapOvr>
-</p:sld>
-</file>
-
-<file path=ppt/slides/slide12.xml><?xml version="1.0" encoding="utf-8"?>
-<p:sld xmlns:a="http://schemas.openxmlformats.org/drawingml/2006/main" xmlns:r="http://schemas.openxmlformats.org/officeDocument/2006/relationships" xmlns:p="http://schemas.openxmlformats.org/presentationml/2006/main">
-  <p:cSld>
-    <p:spTree>
-      <p:nvGrpSpPr>
-        <p:cNvPr id="1" name=""/>
-        <p:cNvGrpSpPr/>
-        <p:nvPr/>
-      </p:nvGrpSpPr>
-      <p:grpSpPr>
-        <a:xfrm>
-          <a:off x="0" y="0"/>
-          <a:ext cx="0" cy="0"/>
-          <a:chOff x="0" y="0"/>
-          <a:chExt cx="0" cy="0"/>
-        </a:xfrm>
-      </p:grpSpPr>
-      <p:sp>
-        <p:nvSpPr>
-          <p:cNvPr id="6" name="Title 5">
-            <a:extLst>
-              <a:ext uri="{FF2B5EF4-FFF2-40B4-BE49-F238E27FC236}">
-                <a16:creationId xmlns:a16="http://schemas.microsoft.com/office/drawing/2014/main" id="{77977495-7045-4BEB-B038-AC19B9064EC1}"/>
-              </a:ext>
-            </a:extLst>
-          </p:cNvPr>
-          <p:cNvSpPr>
-            <a:spLocks noGrp="1"/>
-          </p:cNvSpPr>
-          <p:nvPr>
-            <p:ph type="title"/>
-          </p:nvPr>
-        </p:nvSpPr>
-        <p:spPr>
-          <a:xfrm>
-            <a:off x="669852" y="870596"/>
-            <a:ext cx="5537908" cy="577205"/>
-          </a:xfrm>
-        </p:spPr>
-        <p:txBody>
-          <a:bodyPr vert="horz" lIns="91440" tIns="45720" rIns="91440" bIns="45720" rtlCol="0" anchor="t">
-            <a:normAutofit fontScale="90000"/>
-          </a:bodyPr>
-          <a:lstStyle/>
-          <a:p>
-            <a:pPr>
-              <a:lnSpc>
-                <a:spcPct val="90000"/>
-              </a:lnSpc>
-            </a:pPr>
-            <a:r>
-              <a:rPr lang="en-US" sz="3400" dirty="0"/>
-              <a:t>BIVARIATE MAP TITLE</a:t>
-            </a:r>
-            <a:br>
-              <a:rPr lang="en-US" sz="3400" dirty="0"/>
-            </a:br>
-            <a:r>
-              <a:rPr lang="en-US" sz="3400" dirty="0">
-                <a:solidFill>
-                  <a:schemeClr val="bg1">
-                    <a:lumMod val="50000"/>
-                  </a:schemeClr>
-                </a:solidFill>
-              </a:rPr>
-              <a:t>UNITS OF COMPONENT VARIABLES</a:t>
-            </a:r>
-            <a:br>
-              <a:rPr lang="en-US" sz="3400" dirty="0"/>
-            </a:br>
-            <a:br>
-              <a:rPr lang="en-US" sz="3400" dirty="0"/>
-            </a:br>
-            <a:endParaRPr lang="en-US" sz="1800" dirty="0">
-              <a:latin typeface="Abadi Extra Light" panose="020B0604020202020204" pitchFamily="34" charset="0"/>
-            </a:endParaRPr>
-          </a:p>
-        </p:txBody>
-      </p:sp>
-      <p:sp>
-        <p:nvSpPr>
-          <p:cNvPr id="40" name="TextBox 39">
-            <a:extLst>
-              <a:ext uri="{FF2B5EF4-FFF2-40B4-BE49-F238E27FC236}">
-                <a16:creationId xmlns:a16="http://schemas.microsoft.com/office/drawing/2014/main" id="{3CB48F71-F2CE-4BBA-9675-40D850CCA5E6}"/>
-              </a:ext>
-            </a:extLst>
-          </p:cNvPr>
-          <p:cNvSpPr txBox="1"/>
-          <p:nvPr/>
-        </p:nvSpPr>
-        <p:spPr>
-          <a:xfrm>
-            <a:off x="669852" y="2663113"/>
-            <a:ext cx="5507428" cy="338554"/>
-          </a:xfrm>
-          <a:prstGeom prst="rect">
-            <a:avLst/>
-          </a:prstGeom>
-          <a:noFill/>
-        </p:spPr>
-        <p:txBody>
-          <a:bodyPr wrap="square">
-            <a:spAutoFit/>
-          </a:bodyPr>
-          <a:lstStyle/>
-          <a:p>
-            <a:r>
-              <a:rPr lang="en-US" sz="1600" i="1" cap="none" dirty="0">
-                <a:latin typeface="Abadi Extra Light" panose="020B0604020202020204" pitchFamily="34" charset="0"/>
-              </a:rPr>
-              <a:t>Map description and analysis</a:t>
-            </a:r>
-            <a:endParaRPr lang="en-US" sz="1600" cap="none" dirty="0">
-              <a:latin typeface="Abadi Extra Light" panose="020B0604020202020204" pitchFamily="34" charset="0"/>
-            </a:endParaRPr>
-          </a:p>
-        </p:txBody>
-      </p:sp>
-      <p:sp>
-        <p:nvSpPr>
-          <p:cNvPr id="41" name="TextBox 40">
-            <a:extLst>
-              <a:ext uri="{FF2B5EF4-FFF2-40B4-BE49-F238E27FC236}">
-                <a16:creationId xmlns:a16="http://schemas.microsoft.com/office/drawing/2014/main" id="{F069AEA9-916E-4C98-BFED-A884409BD104}"/>
-              </a:ext>
-            </a:extLst>
-          </p:cNvPr>
-          <p:cNvSpPr txBox="1"/>
-          <p:nvPr/>
-        </p:nvSpPr>
-        <p:spPr>
-          <a:xfrm>
-            <a:off x="700332" y="5580302"/>
-            <a:ext cx="5507428" cy="307777"/>
-          </a:xfrm>
-          <a:prstGeom prst="rect">
-            <a:avLst/>
-          </a:prstGeom>
-          <a:noFill/>
-        </p:spPr>
-        <p:txBody>
-          <a:bodyPr wrap="square">
-            <a:spAutoFit/>
-          </a:bodyPr>
-          <a:lstStyle/>
-          <a:p>
-            <a:r>
-              <a:rPr lang="en-US" sz="1400" i="1" dirty="0">
-                <a:latin typeface="Abadi Extra Light" panose="020B0604020202020204" pitchFamily="34" charset="0"/>
-              </a:rPr>
-              <a:t>Data sources: CDC PLACES; CDC SVI.</a:t>
-            </a:r>
-            <a:endParaRPr lang="en-US" sz="1400" i="1" cap="none" dirty="0">
-              <a:latin typeface="Abadi Extra Light" panose="020B0604020202020204" pitchFamily="34" charset="0"/>
-            </a:endParaRPr>
-          </a:p>
-        </p:txBody>
-      </p:sp>
-      <p:sp>
-        <p:nvSpPr>
-          <p:cNvPr id="2" name="AutoShape 2">
-            <a:extLst>
-              <a:ext uri="{FF2B5EF4-FFF2-40B4-BE49-F238E27FC236}">
-                <a16:creationId xmlns:a16="http://schemas.microsoft.com/office/drawing/2014/main" id="{07A25E57-B9E3-F05D-2DB4-D7A836A40E50}"/>
-              </a:ext>
-            </a:extLst>
-          </p:cNvPr>
-          <p:cNvSpPr>
-            <a:spLocks noChangeAspect="1" noChangeArrowheads="1"/>
-          </p:cNvSpPr>
-          <p:nvPr/>
-        </p:nvSpPr>
-        <p:spPr bwMode="auto">
-          <a:xfrm>
-            <a:off x="10668010" y="3276600"/>
-            <a:ext cx="304800" cy="304800"/>
-          </a:xfrm>
-          <a:prstGeom prst="rect">
-            <a:avLst/>
-          </a:prstGeom>
-          <a:noFill/>
-          <a:extLst>
-            <a:ext uri="{909E8E84-426E-40DD-AFC4-6F175D3DCCD1}">
-              <a14:hiddenFill xmlns:a14="http://schemas.microsoft.com/office/drawing/2010/main">
-                <a:solidFill>
-                  <a:srgbClr val="FFFFFF"/>
-                </a:solidFill>
-              </a14:hiddenFill>
-            </a:ext>
-          </a:extLst>
-        </p:spPr>
-        <p:txBody>
-          <a:bodyPr vert="horz" wrap="square" lIns="91440" tIns="45720" rIns="91440" bIns="45720" numCol="1" anchor="t" anchorCtr="0" compatLnSpc="1">
-            <a:prstTxWarp prst="textNoShape">
-              <a:avLst/>
-            </a:prstTxWarp>
-          </a:bodyPr>
-          <a:lstStyle/>
-          <a:p>
-            <a:endParaRPr lang="en-US"/>
-          </a:p>
-        </p:txBody>
-      </p:sp>
-      <p:pic>
-        <p:nvPicPr>
-          <p:cNvPr id="7" name="Picture 6" descr="A picture containing diagram&#10;&#10;Description automatically generated">
-            <a:extLst>
-              <a:ext uri="{FF2B5EF4-FFF2-40B4-BE49-F238E27FC236}">
-                <a16:creationId xmlns:a16="http://schemas.microsoft.com/office/drawing/2014/main" id="{E28382BA-0EFD-81AE-E5A3-9679A06ACF6C}"/>
-              </a:ext>
-            </a:extLst>
-          </p:cNvPr>
-          <p:cNvPicPr>
-            <a:picLocks noChangeAspect="1"/>
-          </p:cNvPicPr>
-          <p:nvPr/>
-        </p:nvPicPr>
-        <p:blipFill>
-          <a:blip r:embed="rId2">
-            <a:extLst>
-              <a:ext uri="{28A0092B-C50C-407E-A947-70E740481C1C}">
-                <a14:useLocalDpi xmlns:a14="http://schemas.microsoft.com/office/drawing/2010/main" val="0"/>
-              </a:ext>
-            </a:extLst>
-          </a:blip>
-          <a:stretch>
-            <a:fillRect/>
-          </a:stretch>
-        </p:blipFill>
-        <p:spPr>
-          <a:xfrm>
-            <a:off x="5090855" y="1066795"/>
-            <a:ext cx="6400813" cy="5029210"/>
-          </a:xfrm>
-          <a:prstGeom prst="rect">
-            <a:avLst/>
-          </a:prstGeom>
-        </p:spPr>
-      </p:pic>
-    </p:spTree>
-    <p:extLst>
-      <p:ext uri="{BB962C8B-B14F-4D97-AF65-F5344CB8AC3E}">
-        <p14:creationId xmlns:p14="http://schemas.microsoft.com/office/powerpoint/2010/main" val="1123934061"/>
-      </p:ext>
-    </p:extLst>
-  </p:cSld>
-  <p:clrMapOvr>
-    <a:masterClrMapping/>
-  </p:clrMapOvr>
-</p:sld>
-</file>
-
-<file path=ppt/slides/slide13.xml><?xml version="1.0" encoding="utf-8"?>
-<p:sld xmlns:a="http://schemas.openxmlformats.org/drawingml/2006/main" xmlns:r="http://schemas.openxmlformats.org/officeDocument/2006/relationships" xmlns:p="http://schemas.openxmlformats.org/presentationml/2006/main">
-  <p:cSld>
-    <p:spTree>
-      <p:nvGrpSpPr>
-        <p:cNvPr id="1" name=""/>
-        <p:cNvGrpSpPr/>
-        <p:nvPr/>
-      </p:nvGrpSpPr>
-      <p:grpSpPr>
-        <a:xfrm>
-          <a:off x="0" y="0"/>
-          <a:ext cx="0" cy="0"/>
-          <a:chOff x="0" y="0"/>
-          <a:chExt cx="0" cy="0"/>
-        </a:xfrm>
-      </p:grpSpPr>
-      <p:sp>
-        <p:nvSpPr>
-          <p:cNvPr id="6" name="Title 5">
-            <a:extLst>
-              <a:ext uri="{FF2B5EF4-FFF2-40B4-BE49-F238E27FC236}">
-                <a16:creationId xmlns:a16="http://schemas.microsoft.com/office/drawing/2014/main" id="{77977495-7045-4BEB-B038-AC19B9064EC1}"/>
-              </a:ext>
-            </a:extLst>
-          </p:cNvPr>
-          <p:cNvSpPr>
-            <a:spLocks noGrp="1"/>
-          </p:cNvSpPr>
-          <p:nvPr>
-            <p:ph type="title"/>
-          </p:nvPr>
-        </p:nvSpPr>
-        <p:spPr>
-          <a:xfrm>
-            <a:off x="669852" y="870596"/>
-            <a:ext cx="5029210" cy="577205"/>
-          </a:xfrm>
-        </p:spPr>
-        <p:txBody>
-          <a:bodyPr vert="horz" lIns="91440" tIns="45720" rIns="91440" bIns="45720" rtlCol="0" anchor="t">
-            <a:normAutofit fontScale="90000"/>
-          </a:bodyPr>
-          <a:lstStyle/>
-          <a:p>
-            <a:pPr>
-              <a:lnSpc>
-                <a:spcPct val="90000"/>
-              </a:lnSpc>
-            </a:pPr>
-            <a:r>
-              <a:rPr lang="en-US" sz="3400" dirty="0" err="1"/>
-              <a:t>Cdc</a:t>
-            </a:r>
-            <a:r>
-              <a:rPr lang="en-US" sz="3400" dirty="0"/>
-              <a:t> places measure title</a:t>
-            </a:r>
-            <a:br>
-              <a:rPr lang="en-US" sz="3400" dirty="0"/>
-            </a:br>
-            <a:r>
-              <a:rPr lang="en-US" sz="3400" dirty="0">
-                <a:solidFill>
-                  <a:schemeClr val="bg1">
-                    <a:lumMod val="50000"/>
-                  </a:schemeClr>
-                </a:solidFill>
-              </a:rPr>
-              <a:t>units</a:t>
-            </a:r>
-            <a:endParaRPr lang="en-US" sz="1800" dirty="0">
-              <a:latin typeface="Abadi Extra Light" panose="020B0604020202020204" pitchFamily="34" charset="0"/>
-            </a:endParaRPr>
-          </a:p>
-        </p:txBody>
-      </p:sp>
-      <p:pic>
-        <p:nvPicPr>
-          <p:cNvPr id="9" name="Picture 8" descr="Diagram&#10;&#10;Description automatically generated">
-            <a:extLst>
-              <a:ext uri="{FF2B5EF4-FFF2-40B4-BE49-F238E27FC236}">
-                <a16:creationId xmlns:a16="http://schemas.microsoft.com/office/drawing/2014/main" id="{1519A766-3B04-ADD5-768D-E7F1CE9DA020}"/>
-              </a:ext>
-            </a:extLst>
-          </p:cNvPr>
-          <p:cNvPicPr>
-            <a:picLocks noChangeAspect="1"/>
-          </p:cNvPicPr>
-          <p:nvPr/>
-        </p:nvPicPr>
-        <p:blipFill>
-          <a:blip r:embed="rId2">
-            <a:extLst>
-              <a:ext uri="{28A0092B-C50C-407E-A947-70E740481C1C}">
-                <a14:useLocalDpi xmlns:a14="http://schemas.microsoft.com/office/drawing/2010/main" val="0"/>
-              </a:ext>
-            </a:extLst>
-          </a:blip>
-          <a:stretch>
-            <a:fillRect/>
-          </a:stretch>
-        </p:blipFill>
-        <p:spPr>
-          <a:xfrm>
-            <a:off x="6634768" y="914395"/>
-            <a:ext cx="5029210" cy="5029210"/>
-          </a:xfrm>
-          <a:prstGeom prst="rect">
-            <a:avLst/>
-          </a:prstGeom>
-        </p:spPr>
-      </p:pic>
-      <p:sp>
-        <p:nvSpPr>
-          <p:cNvPr id="11" name="TextBox 10">
-            <a:extLst>
-              <a:ext uri="{FF2B5EF4-FFF2-40B4-BE49-F238E27FC236}">
-                <a16:creationId xmlns:a16="http://schemas.microsoft.com/office/drawing/2014/main" id="{3E48FC44-1FA2-4F7A-0A80-59B4E81301D5}"/>
-              </a:ext>
-            </a:extLst>
-          </p:cNvPr>
-          <p:cNvSpPr txBox="1"/>
-          <p:nvPr/>
-        </p:nvSpPr>
-        <p:spPr>
-          <a:xfrm>
-            <a:off x="669852" y="2663113"/>
-            <a:ext cx="5507428" cy="584775"/>
-          </a:xfrm>
-          <a:prstGeom prst="rect">
-            <a:avLst/>
-          </a:prstGeom>
-          <a:noFill/>
-        </p:spPr>
-        <p:txBody>
-          <a:bodyPr wrap="square">
-            <a:spAutoFit/>
-          </a:bodyPr>
-          <a:lstStyle/>
-          <a:p>
-            <a:r>
-              <a:rPr lang="en-US" sz="1600" i="1" cap="none" dirty="0">
-                <a:latin typeface="Abadi Extra Light" panose="020B0604020202020204" pitchFamily="34" charset="0"/>
-              </a:rPr>
-              <a:t>Description of the component PLACES measure and brief analysis of distributions shown on map.</a:t>
-            </a:r>
-            <a:endParaRPr lang="en-US" sz="1600" cap="none" dirty="0">
-              <a:latin typeface="Abadi Extra Light" panose="020B0604020202020204" pitchFamily="34" charset="0"/>
-            </a:endParaRPr>
-          </a:p>
-        </p:txBody>
-      </p:sp>
-      <p:sp>
-        <p:nvSpPr>
-          <p:cNvPr id="12" name="TextBox 11">
-            <a:extLst>
-              <a:ext uri="{FF2B5EF4-FFF2-40B4-BE49-F238E27FC236}">
-                <a16:creationId xmlns:a16="http://schemas.microsoft.com/office/drawing/2014/main" id="{87D582C6-CEC0-AFAA-58EF-768E3AC494E0}"/>
-              </a:ext>
-            </a:extLst>
-          </p:cNvPr>
-          <p:cNvSpPr txBox="1"/>
-          <p:nvPr/>
-        </p:nvSpPr>
-        <p:spPr>
-          <a:xfrm>
-            <a:off x="700332" y="5580302"/>
-            <a:ext cx="5507428" cy="307777"/>
-          </a:xfrm>
-          <a:prstGeom prst="rect">
-            <a:avLst/>
-          </a:prstGeom>
-          <a:noFill/>
-        </p:spPr>
-        <p:txBody>
-          <a:bodyPr wrap="square">
-            <a:spAutoFit/>
-          </a:bodyPr>
-          <a:lstStyle/>
-          <a:p>
-            <a:r>
-              <a:rPr lang="en-US" sz="1400" i="1" dirty="0">
-                <a:latin typeface="Abadi Extra Light" panose="020B0604020202020204" pitchFamily="34" charset="0"/>
-              </a:rPr>
-              <a:t>Data sources: CDC PLACES.</a:t>
-            </a:r>
-            <a:endParaRPr lang="en-US" sz="1400" i="1" cap="none" dirty="0">
-              <a:latin typeface="Abadi Extra Light" panose="020B0604020202020204" pitchFamily="34" charset="0"/>
-            </a:endParaRPr>
-          </a:p>
-        </p:txBody>
-      </p:sp>
-    </p:spTree>
-    <p:extLst>
-      <p:ext uri="{BB962C8B-B14F-4D97-AF65-F5344CB8AC3E}">
-        <p14:creationId xmlns:p14="http://schemas.microsoft.com/office/powerpoint/2010/main" val="354186030"/>
-      </p:ext>
-    </p:extLst>
-  </p:cSld>
-  <p:clrMapOvr>
-    <a:masterClrMapping/>
-  </p:clrMapOvr>
-</p:sld>
-</file>
-
-<file path=ppt/slides/slide14.xml><?xml version="1.0" encoding="utf-8"?>
-<p:sld xmlns:a="http://schemas.openxmlformats.org/drawingml/2006/main" xmlns:r="http://schemas.openxmlformats.org/officeDocument/2006/relationships" xmlns:p="http://schemas.openxmlformats.org/presentationml/2006/main">
-  <p:cSld>
-    <p:spTree>
-      <p:nvGrpSpPr>
-        <p:cNvPr id="1" name=""/>
-        <p:cNvGrpSpPr/>
-        <p:nvPr/>
-      </p:nvGrpSpPr>
-      <p:grpSpPr>
-        <a:xfrm>
-          <a:off x="0" y="0"/>
-          <a:ext cx="0" cy="0"/>
-          <a:chOff x="0" y="0"/>
-          <a:chExt cx="0" cy="0"/>
-        </a:xfrm>
-      </p:grpSpPr>
-      <p:pic>
-        <p:nvPicPr>
-          <p:cNvPr id="10" name="Picture 9" descr="Diagram&#10;&#10;Description automatically generated">
-            <a:extLst>
-              <a:ext uri="{FF2B5EF4-FFF2-40B4-BE49-F238E27FC236}">
-                <a16:creationId xmlns:a16="http://schemas.microsoft.com/office/drawing/2014/main" id="{D93E8B9A-E376-44A5-BB8A-32E8B5D3F3ED}"/>
-              </a:ext>
-            </a:extLst>
-          </p:cNvPr>
-          <p:cNvPicPr>
-            <a:picLocks noChangeAspect="1"/>
-          </p:cNvPicPr>
-          <p:nvPr/>
-        </p:nvPicPr>
-        <p:blipFill>
-          <a:blip r:embed="rId2">
-            <a:extLst>
-              <a:ext uri="{28A0092B-C50C-407E-A947-70E740481C1C}">
-                <a14:useLocalDpi xmlns:a14="http://schemas.microsoft.com/office/drawing/2010/main" val="0"/>
-              </a:ext>
-            </a:extLst>
-          </a:blip>
-          <a:stretch>
-            <a:fillRect/>
-          </a:stretch>
-        </p:blipFill>
-        <p:spPr>
-          <a:xfrm>
-            <a:off x="6695440" y="1066795"/>
-            <a:ext cx="5029210" cy="5029210"/>
-          </a:xfrm>
-          <a:prstGeom prst="rect">
-            <a:avLst/>
-          </a:prstGeom>
-        </p:spPr>
-      </p:pic>
-      <p:sp>
-        <p:nvSpPr>
-          <p:cNvPr id="6" name="Title 5">
-            <a:extLst>
-              <a:ext uri="{FF2B5EF4-FFF2-40B4-BE49-F238E27FC236}">
-                <a16:creationId xmlns:a16="http://schemas.microsoft.com/office/drawing/2014/main" id="{77977495-7045-4BEB-B038-AC19B9064EC1}"/>
-              </a:ext>
-            </a:extLst>
-          </p:cNvPr>
-          <p:cNvSpPr>
-            <a:spLocks noGrp="1"/>
-          </p:cNvSpPr>
-          <p:nvPr>
-            <p:ph type="title"/>
-          </p:nvPr>
-        </p:nvSpPr>
-        <p:spPr>
-          <a:xfrm>
-            <a:off x="669852" y="870596"/>
-            <a:ext cx="5537908" cy="577205"/>
-          </a:xfrm>
-        </p:spPr>
-        <p:txBody>
-          <a:bodyPr vert="horz" lIns="91440" tIns="45720" rIns="91440" bIns="45720" rtlCol="0" anchor="t">
-            <a:normAutofit fontScale="90000"/>
-          </a:bodyPr>
-          <a:lstStyle/>
-          <a:p>
-            <a:pPr>
-              <a:lnSpc>
-                <a:spcPct val="90000"/>
-              </a:lnSpc>
-            </a:pPr>
-            <a:r>
-              <a:rPr lang="en-US" sz="3400" dirty="0" err="1"/>
-              <a:t>Cdc</a:t>
-            </a:r>
-            <a:r>
-              <a:rPr lang="en-US" sz="3400" dirty="0"/>
-              <a:t> SVI factor title</a:t>
-            </a:r>
-            <a:br>
-              <a:rPr lang="en-US" sz="3400" dirty="0"/>
-            </a:br>
-            <a:r>
-              <a:rPr lang="en-US" sz="3400" dirty="0">
-                <a:solidFill>
-                  <a:schemeClr val="bg1">
-                    <a:lumMod val="50000"/>
-                  </a:schemeClr>
-                </a:solidFill>
-              </a:rPr>
-              <a:t>units</a:t>
-            </a:r>
-            <a:br>
-              <a:rPr lang="en-US" sz="3400" dirty="0"/>
-            </a:br>
-            <a:br>
-              <a:rPr lang="en-US" sz="3400" dirty="0"/>
-            </a:br>
-            <a:endParaRPr lang="en-US" sz="1800" dirty="0">
-              <a:latin typeface="Abadi Extra Light" panose="020B0604020202020204" pitchFamily="34" charset="0"/>
-            </a:endParaRPr>
-          </a:p>
-        </p:txBody>
-      </p:sp>
-      <p:sp>
-        <p:nvSpPr>
-          <p:cNvPr id="2" name="AutoShape 2">
-            <a:extLst>
-              <a:ext uri="{FF2B5EF4-FFF2-40B4-BE49-F238E27FC236}">
-                <a16:creationId xmlns:a16="http://schemas.microsoft.com/office/drawing/2014/main" id="{07A25E57-B9E3-F05D-2DB4-D7A836A40E50}"/>
-              </a:ext>
-            </a:extLst>
-          </p:cNvPr>
-          <p:cNvSpPr>
-            <a:spLocks noChangeAspect="1" noChangeArrowheads="1"/>
-          </p:cNvSpPr>
-          <p:nvPr/>
-        </p:nvSpPr>
-        <p:spPr bwMode="auto">
-          <a:xfrm>
-            <a:off x="10668010" y="3276600"/>
-            <a:ext cx="304800" cy="304800"/>
-          </a:xfrm>
-          <a:prstGeom prst="rect">
-            <a:avLst/>
-          </a:prstGeom>
-          <a:noFill/>
-          <a:extLst>
-            <a:ext uri="{909E8E84-426E-40DD-AFC4-6F175D3DCCD1}">
-              <a14:hiddenFill xmlns:a14="http://schemas.microsoft.com/office/drawing/2010/main">
-                <a:solidFill>
-                  <a:srgbClr val="FFFFFF"/>
-                </a:solidFill>
-              </a14:hiddenFill>
-            </a:ext>
-          </a:extLst>
-        </p:spPr>
-        <p:txBody>
-          <a:bodyPr vert="horz" wrap="square" lIns="91440" tIns="45720" rIns="91440" bIns="45720" numCol="1" anchor="t" anchorCtr="0" compatLnSpc="1">
-            <a:prstTxWarp prst="textNoShape">
-              <a:avLst/>
-            </a:prstTxWarp>
-          </a:bodyPr>
-          <a:lstStyle/>
-          <a:p>
-            <a:endParaRPr lang="en-US"/>
-          </a:p>
-        </p:txBody>
-      </p:sp>
-      <p:sp>
-        <p:nvSpPr>
-          <p:cNvPr id="11" name="TextBox 10">
-            <a:extLst>
-              <a:ext uri="{FF2B5EF4-FFF2-40B4-BE49-F238E27FC236}">
-                <a16:creationId xmlns:a16="http://schemas.microsoft.com/office/drawing/2014/main" id="{EC1F356B-12BC-BB75-19B6-A6C0209E47D5}"/>
-              </a:ext>
-            </a:extLst>
-          </p:cNvPr>
-          <p:cNvSpPr txBox="1"/>
-          <p:nvPr/>
-        </p:nvSpPr>
-        <p:spPr>
-          <a:xfrm>
-            <a:off x="700332" y="5580302"/>
-            <a:ext cx="5507428" cy="307777"/>
-          </a:xfrm>
-          <a:prstGeom prst="rect">
-            <a:avLst/>
-          </a:prstGeom>
-          <a:noFill/>
-        </p:spPr>
-        <p:txBody>
-          <a:bodyPr wrap="square">
-            <a:spAutoFit/>
-          </a:bodyPr>
-          <a:lstStyle/>
-          <a:p>
-            <a:r>
-              <a:rPr lang="en-US" sz="1400" i="1" dirty="0">
-                <a:latin typeface="Abadi Extra Light" panose="020B0604020202020204" pitchFamily="34" charset="0"/>
-              </a:rPr>
-              <a:t>Data sources: CDC SVI.</a:t>
-            </a:r>
-            <a:endParaRPr lang="en-US" sz="1400" i="1" cap="none" dirty="0">
-              <a:latin typeface="Abadi Extra Light" panose="020B0604020202020204" pitchFamily="34" charset="0"/>
-            </a:endParaRPr>
-          </a:p>
-        </p:txBody>
-      </p:sp>
-      <p:sp>
-        <p:nvSpPr>
-          <p:cNvPr id="12" name="TextBox 11">
-            <a:extLst>
-              <a:ext uri="{FF2B5EF4-FFF2-40B4-BE49-F238E27FC236}">
-                <a16:creationId xmlns:a16="http://schemas.microsoft.com/office/drawing/2014/main" id="{D26A7A0C-C130-B3C2-D6B6-E4A036D9ACFB}"/>
-              </a:ext>
-            </a:extLst>
-          </p:cNvPr>
-          <p:cNvSpPr txBox="1"/>
-          <p:nvPr/>
-        </p:nvSpPr>
-        <p:spPr>
-          <a:xfrm>
-            <a:off x="669852" y="2663113"/>
-            <a:ext cx="5507428" cy="584775"/>
-          </a:xfrm>
-          <a:prstGeom prst="rect">
-            <a:avLst/>
-          </a:prstGeom>
-          <a:noFill/>
-        </p:spPr>
-        <p:txBody>
-          <a:bodyPr wrap="square">
-            <a:spAutoFit/>
-          </a:bodyPr>
-          <a:lstStyle/>
-          <a:p>
-            <a:r>
-              <a:rPr lang="en-US" sz="1600" i="1" cap="none" dirty="0">
-                <a:latin typeface="Abadi Extra Light" panose="020B0604020202020204" pitchFamily="34" charset="0"/>
-              </a:rPr>
-              <a:t>Description of the component SVI factor and brief analysis of distributions shown on map.</a:t>
-            </a:r>
-            <a:endParaRPr lang="en-US" sz="1600" cap="none" dirty="0">
-              <a:latin typeface="Abadi Extra Light" panose="020B0604020202020204" pitchFamily="34" charset="0"/>
-            </a:endParaRPr>
-          </a:p>
-        </p:txBody>
-      </p:sp>
-    </p:spTree>
-    <p:extLst>
-      <p:ext uri="{BB962C8B-B14F-4D97-AF65-F5344CB8AC3E}">
-        <p14:creationId xmlns:p14="http://schemas.microsoft.com/office/powerpoint/2010/main" val="1023133356"/>
-      </p:ext>
-    </p:extLst>
-  </p:cSld>
-  <p:clrMapOvr>
-    <a:masterClrMapping/>
-  </p:clrMapOvr>
-</p:sld>
-</file>
-
-<file path=ppt/slides/slide15.xml><?xml version="1.0" encoding="utf-8"?>
-<p:sld xmlns:a="http://schemas.openxmlformats.org/drawingml/2006/main" xmlns:r="http://schemas.openxmlformats.org/officeDocument/2006/relationships" xmlns:p="http://schemas.openxmlformats.org/presentationml/2006/main">
-  <p:cSld>
-    <p:spTree>
-      <p:nvGrpSpPr>
-        <p:cNvPr id="1" name=""/>
-        <p:cNvGrpSpPr/>
-        <p:nvPr/>
-      </p:nvGrpSpPr>
-      <p:grpSpPr>
-        <a:xfrm>
-          <a:off x="0" y="0"/>
-          <a:ext cx="0" cy="0"/>
-          <a:chOff x="0" y="0"/>
-          <a:chExt cx="0" cy="0"/>
-        </a:xfrm>
-      </p:grpSpPr>
-      <p:sp>
-        <p:nvSpPr>
-          <p:cNvPr id="6" name="Title 5">
-            <a:extLst>
-              <a:ext uri="{FF2B5EF4-FFF2-40B4-BE49-F238E27FC236}">
-                <a16:creationId xmlns:a16="http://schemas.microsoft.com/office/drawing/2014/main" id="{77977495-7045-4BEB-B038-AC19B9064EC1}"/>
-              </a:ext>
-            </a:extLst>
-          </p:cNvPr>
-          <p:cNvSpPr>
-            <a:spLocks noGrp="1"/>
-          </p:cNvSpPr>
-          <p:nvPr>
-            <p:ph type="title"/>
-          </p:nvPr>
-        </p:nvSpPr>
-        <p:spPr>
-          <a:xfrm>
-            <a:off x="669852" y="870596"/>
-            <a:ext cx="5537908" cy="577205"/>
-          </a:xfrm>
-        </p:spPr>
-        <p:txBody>
-          <a:bodyPr vert="horz" lIns="91440" tIns="45720" rIns="91440" bIns="45720" rtlCol="0" anchor="t">
-            <a:normAutofit fontScale="90000"/>
-          </a:bodyPr>
-          <a:lstStyle/>
-          <a:p>
-            <a:pPr>
-              <a:lnSpc>
-                <a:spcPct val="90000"/>
-              </a:lnSpc>
-            </a:pPr>
-            <a:r>
-              <a:rPr lang="en-US" sz="3400" dirty="0"/>
-              <a:t>BIVARIATE MAP TITLE</a:t>
-            </a:r>
-            <a:br>
-              <a:rPr lang="en-US" sz="3400" dirty="0"/>
-            </a:br>
-            <a:r>
-              <a:rPr lang="en-US" sz="3400" dirty="0">
-                <a:solidFill>
-                  <a:schemeClr val="bg1">
-                    <a:lumMod val="50000"/>
-                  </a:schemeClr>
-                </a:solidFill>
-              </a:rPr>
-              <a:t>UNITS OF COMPONENT VARIABLES</a:t>
-            </a:r>
-            <a:br>
-              <a:rPr lang="en-US" sz="3400" dirty="0"/>
-            </a:br>
-            <a:br>
-              <a:rPr lang="en-US" sz="3400" dirty="0"/>
-            </a:br>
-            <a:endParaRPr lang="en-US" sz="1800" dirty="0">
-              <a:latin typeface="Abadi Extra Light" panose="020B0604020202020204" pitchFamily="34" charset="0"/>
-            </a:endParaRPr>
-          </a:p>
-        </p:txBody>
-      </p:sp>
-      <p:sp>
-        <p:nvSpPr>
-          <p:cNvPr id="40" name="TextBox 39">
-            <a:extLst>
-              <a:ext uri="{FF2B5EF4-FFF2-40B4-BE49-F238E27FC236}">
-                <a16:creationId xmlns:a16="http://schemas.microsoft.com/office/drawing/2014/main" id="{3CB48F71-F2CE-4BBA-9675-40D850CCA5E6}"/>
-              </a:ext>
-            </a:extLst>
-          </p:cNvPr>
-          <p:cNvSpPr txBox="1"/>
-          <p:nvPr/>
-        </p:nvSpPr>
-        <p:spPr>
-          <a:xfrm>
-            <a:off x="669852" y="2663113"/>
-            <a:ext cx="5507428" cy="338554"/>
-          </a:xfrm>
-          <a:prstGeom prst="rect">
-            <a:avLst/>
-          </a:prstGeom>
-          <a:noFill/>
-        </p:spPr>
-        <p:txBody>
-          <a:bodyPr wrap="square">
-            <a:spAutoFit/>
-          </a:bodyPr>
-          <a:lstStyle/>
-          <a:p>
-            <a:r>
-              <a:rPr lang="en-US" sz="1600" i="1" cap="none" dirty="0">
-                <a:latin typeface="Abadi Extra Light" panose="020B0604020202020204" pitchFamily="34" charset="0"/>
-              </a:rPr>
-              <a:t>Map description and analysis</a:t>
-            </a:r>
-            <a:endParaRPr lang="en-US" sz="1600" cap="none" dirty="0">
-              <a:latin typeface="Abadi Extra Light" panose="020B0604020202020204" pitchFamily="34" charset="0"/>
-            </a:endParaRPr>
-          </a:p>
-        </p:txBody>
-      </p:sp>
-      <p:sp>
-        <p:nvSpPr>
-          <p:cNvPr id="41" name="TextBox 40">
-            <a:extLst>
-              <a:ext uri="{FF2B5EF4-FFF2-40B4-BE49-F238E27FC236}">
-                <a16:creationId xmlns:a16="http://schemas.microsoft.com/office/drawing/2014/main" id="{F069AEA9-916E-4C98-BFED-A884409BD104}"/>
-              </a:ext>
-            </a:extLst>
-          </p:cNvPr>
-          <p:cNvSpPr txBox="1"/>
-          <p:nvPr/>
-        </p:nvSpPr>
-        <p:spPr>
-          <a:xfrm>
-            <a:off x="700332" y="5580302"/>
-            <a:ext cx="5507428" cy="307777"/>
-          </a:xfrm>
-          <a:prstGeom prst="rect">
-            <a:avLst/>
-          </a:prstGeom>
-          <a:noFill/>
-        </p:spPr>
-        <p:txBody>
-          <a:bodyPr wrap="square">
-            <a:spAutoFit/>
-          </a:bodyPr>
-          <a:lstStyle/>
-          <a:p>
-            <a:r>
-              <a:rPr lang="en-US" sz="1400" i="1" dirty="0">
-                <a:latin typeface="Abadi Extra Light" panose="020B0604020202020204" pitchFamily="34" charset="0"/>
-              </a:rPr>
-              <a:t>Data sources: CDC PLACES; CDC SVI.</a:t>
-            </a:r>
-            <a:endParaRPr lang="en-US" sz="1400" i="1" cap="none" dirty="0">
-              <a:latin typeface="Abadi Extra Light" panose="020B0604020202020204" pitchFamily="34" charset="0"/>
-            </a:endParaRPr>
-          </a:p>
-        </p:txBody>
-      </p:sp>
-      <p:sp>
-        <p:nvSpPr>
-          <p:cNvPr id="2" name="AutoShape 2">
-            <a:extLst>
-              <a:ext uri="{FF2B5EF4-FFF2-40B4-BE49-F238E27FC236}">
-                <a16:creationId xmlns:a16="http://schemas.microsoft.com/office/drawing/2014/main" id="{07A25E57-B9E3-F05D-2DB4-D7A836A40E50}"/>
-              </a:ext>
-            </a:extLst>
-          </p:cNvPr>
-          <p:cNvSpPr>
-            <a:spLocks noChangeAspect="1" noChangeArrowheads="1"/>
-          </p:cNvSpPr>
-          <p:nvPr/>
-        </p:nvSpPr>
-        <p:spPr bwMode="auto">
-          <a:xfrm>
-            <a:off x="10668010" y="3276600"/>
-            <a:ext cx="304800" cy="304800"/>
-          </a:xfrm>
-          <a:prstGeom prst="rect">
-            <a:avLst/>
-          </a:prstGeom>
-          <a:noFill/>
-          <a:extLst>
-            <a:ext uri="{909E8E84-426E-40DD-AFC4-6F175D3DCCD1}">
-              <a14:hiddenFill xmlns:a14="http://schemas.microsoft.com/office/drawing/2010/main">
-                <a:solidFill>
-                  <a:srgbClr val="FFFFFF"/>
-                </a:solidFill>
-              </a14:hiddenFill>
-            </a:ext>
-          </a:extLst>
-        </p:spPr>
-        <p:txBody>
-          <a:bodyPr vert="horz" wrap="square" lIns="91440" tIns="45720" rIns="91440" bIns="45720" numCol="1" anchor="t" anchorCtr="0" compatLnSpc="1">
-            <a:prstTxWarp prst="textNoShape">
-              <a:avLst/>
-            </a:prstTxWarp>
-          </a:bodyPr>
-          <a:lstStyle/>
-          <a:p>
-            <a:endParaRPr lang="en-US"/>
-          </a:p>
-        </p:txBody>
-      </p:sp>
-      <p:pic>
-        <p:nvPicPr>
-          <p:cNvPr id="7" name="Picture 6" descr="A picture containing diagram&#10;&#10;Description automatically generated">
-            <a:extLst>
-              <a:ext uri="{FF2B5EF4-FFF2-40B4-BE49-F238E27FC236}">
-                <a16:creationId xmlns:a16="http://schemas.microsoft.com/office/drawing/2014/main" id="{E28382BA-0EFD-81AE-E5A3-9679A06ACF6C}"/>
-              </a:ext>
-            </a:extLst>
-          </p:cNvPr>
-          <p:cNvPicPr>
-            <a:picLocks noChangeAspect="1"/>
-          </p:cNvPicPr>
-          <p:nvPr/>
-        </p:nvPicPr>
-        <p:blipFill>
-          <a:blip r:embed="rId2">
-            <a:extLst>
-              <a:ext uri="{28A0092B-C50C-407E-A947-70E740481C1C}">
-                <a14:useLocalDpi xmlns:a14="http://schemas.microsoft.com/office/drawing/2010/main" val="0"/>
-              </a:ext>
-            </a:extLst>
-          </a:blip>
-          <a:stretch>
-            <a:fillRect/>
-          </a:stretch>
-        </p:blipFill>
-        <p:spPr>
-          <a:xfrm>
-            <a:off x="5090855" y="1066795"/>
-            <a:ext cx="6400813" cy="5029210"/>
-          </a:xfrm>
-          <a:prstGeom prst="rect">
-            <a:avLst/>
-          </a:prstGeom>
-        </p:spPr>
-      </p:pic>
-    </p:spTree>
-    <p:extLst>
-      <p:ext uri="{BB962C8B-B14F-4D97-AF65-F5344CB8AC3E}">
-        <p14:creationId xmlns:p14="http://schemas.microsoft.com/office/powerpoint/2010/main" val="2982862596"/>
       </p:ext>
     </p:extLst>
   </p:cSld>
@@ -8552,9 +7027,12 @@
 </file>
 
 <file path=customXml/item1.xml><?xml version="1.0" encoding="utf-8"?>
-<p:properties xmlns:p="http://schemas.microsoft.com/office/2006/metadata/properties" xmlns:xsi="http://www.w3.org/2001/XMLSchema-instance" xmlns:pc="http://schemas.microsoft.com/office/infopath/2007/PartnerControls">
-  <documentManagement/>
-</p:properties>
+<?mso-contentType ?>
+<FormTemplates xmlns="http://schemas.microsoft.com/sharepoint/v3/contenttype/forms">
+  <Display>DocumentLibraryForm</Display>
+  <Edit>DocumentLibraryForm</Edit>
+  <New>DocumentLibraryForm</New>
+</FormTemplates>
 </file>
 
 <file path=customXml/item2.xml><?xml version="1.0" encoding="utf-8"?>
@@ -8787,27 +7265,15 @@
 </file>
 
 <file path=customXml/item3.xml><?xml version="1.0" encoding="utf-8"?>
-<?mso-contentType ?>
-<FormTemplates xmlns="http://schemas.microsoft.com/sharepoint/v3/contenttype/forms">
-  <Display>DocumentLibraryForm</Display>
-  <Edit>DocumentLibraryForm</Edit>
-  <New>DocumentLibraryForm</New>
-</FormTemplates>
+<p:properties xmlns:p="http://schemas.microsoft.com/office/2006/metadata/properties" xmlns:xsi="http://www.w3.org/2001/XMLSchema-instance" xmlns:pc="http://schemas.microsoft.com/office/infopath/2007/PartnerControls">
+  <documentManagement/>
+</p:properties>
 </file>
 
 <file path=customXml/itemProps1.xml><?xml version="1.0" encoding="utf-8"?>
-<ds:datastoreItem xmlns:ds="http://schemas.openxmlformats.org/officeDocument/2006/customXml" ds:itemID="{E63FC6B2-8F98-4431-99CC-7C9E3804CD6C}">
+<ds:datastoreItem xmlns:ds="http://schemas.openxmlformats.org/officeDocument/2006/customXml" ds:itemID="{9F16F009-DBF7-445D-86F2-D269D4D5C9CA}">
   <ds:schemaRefs>
-    <ds:schemaRef ds:uri="http://schemas.microsoft.com/office/infopath/2007/PartnerControls"/>
-    <ds:schemaRef ds:uri="http://purl.org/dc/elements/1.1/"/>
-    <ds:schemaRef ds:uri="http://schemas.microsoft.com/office/2006/metadata/properties"/>
-    <ds:schemaRef ds:uri="http://purl.org/dc/terms/"/>
-    <ds:schemaRef ds:uri="f1ca5527-4d73-4ce9-b1ce-36fa22ecda61"/>
-    <ds:schemaRef ds:uri="http://schemas.openxmlformats.org/package/2006/metadata/core-properties"/>
-    <ds:schemaRef ds:uri="http://schemas.microsoft.com/office/2006/documentManagement/types"/>
-    <ds:schemaRef ds:uri="3dc9000b-820f-4ca7-9747-1e0793ae1595"/>
-    <ds:schemaRef ds:uri="http://www.w3.org/XML/1998/namespace"/>
-    <ds:schemaRef ds:uri="http://purl.org/dc/dcmitype/"/>
+    <ds:schemaRef ds:uri="http://schemas.microsoft.com/sharepoint/v3/contenttype/forms"/>
   </ds:schemaRefs>
 </ds:datastoreItem>
 </file>
@@ -8832,9 +7298,18 @@
 </file>
 
 <file path=customXml/itemProps3.xml><?xml version="1.0" encoding="utf-8"?>
-<ds:datastoreItem xmlns:ds="http://schemas.openxmlformats.org/officeDocument/2006/customXml" ds:itemID="{9F16F009-DBF7-445D-86F2-D269D4D5C9CA}">
+<ds:datastoreItem xmlns:ds="http://schemas.openxmlformats.org/officeDocument/2006/customXml" ds:itemID="{E63FC6B2-8F98-4431-99CC-7C9E3804CD6C}">
   <ds:schemaRefs>
-    <ds:schemaRef ds:uri="http://schemas.microsoft.com/sharepoint/v3/contenttype/forms"/>
+    <ds:schemaRef ds:uri="http://schemas.microsoft.com/office/infopath/2007/PartnerControls"/>
+    <ds:schemaRef ds:uri="http://purl.org/dc/elements/1.1/"/>
+    <ds:schemaRef ds:uri="http://schemas.microsoft.com/office/2006/metadata/properties"/>
+    <ds:schemaRef ds:uri="http://purl.org/dc/terms/"/>
+    <ds:schemaRef ds:uri="f1ca5527-4d73-4ce9-b1ce-36fa22ecda61"/>
+    <ds:schemaRef ds:uri="http://schemas.openxmlformats.org/package/2006/metadata/core-properties"/>
+    <ds:schemaRef ds:uri="http://schemas.microsoft.com/office/2006/documentManagement/types"/>
+    <ds:schemaRef ds:uri="3dc9000b-820f-4ca7-9747-1e0793ae1595"/>
+    <ds:schemaRef ds:uri="http://www.w3.org/XML/1998/namespace"/>
+    <ds:schemaRef ds:uri="http://purl.org/dc/dcmitype/"/>
   </ds:schemaRefs>
 </ds:datastoreItem>
 </file>